--- a/images/cfa1.pptx
+++ b/images/cfa1.pptx
@@ -123,6 +123,59 @@
 </p:presentation>
 </file>
 
+<file path=ppt/changesInfos/changesInfo1.xml><?xml version="1.0" encoding="utf-8"?>
+<pc:chgInfo xmlns:a="http://schemas.openxmlformats.org/drawingml/2006/main" xmlns:r="http://schemas.openxmlformats.org/officeDocument/2006/relationships" xmlns:ac="http://schemas.microsoft.com/office/drawing/2013/main/command" xmlns:pc="http://schemas.microsoft.com/office/powerpoint/2013/main/command">
+  <pc:docChgLst>
+    <pc:chgData name="Scott Claessens" userId="4182a21f-a269-4333-a3cd-52d373294ca1" providerId="ADAL" clId="{08567264-C4FB-4166-8533-647CB839A4AB}"/>
+    <pc:docChg chg="modSld">
+      <pc:chgData name="Scott Claessens" userId="4182a21f-a269-4333-a3cd-52d373294ca1" providerId="ADAL" clId="{08567264-C4FB-4166-8533-647CB839A4AB}" dt="2023-11-27T02:24:53.691" v="20" actId="20577"/>
+      <pc:docMkLst>
+        <pc:docMk/>
+      </pc:docMkLst>
+      <pc:sldChg chg="modSp mod">
+        <pc:chgData name="Scott Claessens" userId="4182a21f-a269-4333-a3cd-52d373294ca1" providerId="ADAL" clId="{08567264-C4FB-4166-8533-647CB839A4AB}" dt="2023-11-27T02:24:53.691" v="20" actId="20577"/>
+        <pc:sldMkLst>
+          <pc:docMk/>
+          <pc:sldMk cId="413488032" sldId="257"/>
+        </pc:sldMkLst>
+        <pc:spChg chg="mod">
+          <ac:chgData name="Scott Claessens" userId="4182a21f-a269-4333-a3cd-52d373294ca1" providerId="ADAL" clId="{08567264-C4FB-4166-8533-647CB839A4AB}" dt="2023-11-27T02:24:26.064" v="4" actId="20577"/>
+          <ac:spMkLst>
+            <pc:docMk/>
+            <pc:sldMk cId="413488032" sldId="257"/>
+            <ac:spMk id="34" creationId="{00000000-0000-0000-0000-000000000000}"/>
+          </ac:spMkLst>
+        </pc:spChg>
+        <pc:spChg chg="mod">
+          <ac:chgData name="Scott Claessens" userId="4182a21f-a269-4333-a3cd-52d373294ca1" providerId="ADAL" clId="{08567264-C4FB-4166-8533-647CB839A4AB}" dt="2023-11-27T02:24:53.691" v="20" actId="20577"/>
+          <ac:spMkLst>
+            <pc:docMk/>
+            <pc:sldMk cId="413488032" sldId="257"/>
+            <ac:spMk id="35" creationId="{00000000-0000-0000-0000-000000000000}"/>
+          </ac:spMkLst>
+        </pc:spChg>
+        <pc:spChg chg="mod">
+          <ac:chgData name="Scott Claessens" userId="4182a21f-a269-4333-a3cd-52d373294ca1" providerId="ADAL" clId="{08567264-C4FB-4166-8533-647CB839A4AB}" dt="2023-11-27T02:24:38.603" v="12" actId="20577"/>
+          <ac:spMkLst>
+            <pc:docMk/>
+            <pc:sldMk cId="413488032" sldId="257"/>
+            <ac:spMk id="36" creationId="{00000000-0000-0000-0000-000000000000}"/>
+          </ac:spMkLst>
+        </pc:spChg>
+        <pc:spChg chg="mod">
+          <ac:chgData name="Scott Claessens" userId="4182a21f-a269-4333-a3cd-52d373294ca1" providerId="ADAL" clId="{08567264-C4FB-4166-8533-647CB839A4AB}" dt="2023-11-27T02:24:45.637" v="16" actId="20577"/>
+          <ac:spMkLst>
+            <pc:docMk/>
+            <pc:sldMk cId="413488032" sldId="257"/>
+            <ac:spMk id="37" creationId="{00000000-0000-0000-0000-000000000000}"/>
+          </ac:spMkLst>
+        </pc:spChg>
+      </pc:sldChg>
+    </pc:docChg>
+  </pc:docChgLst>
+</pc:chgInfo>
+</file>
+
 <file path=ppt/slideLayouts/slideLayout1.xml><?xml version="1.0" encoding="utf-8"?>
 <p:sldLayout xmlns:a="http://schemas.openxmlformats.org/drawingml/2006/main" xmlns:r="http://schemas.openxmlformats.org/officeDocument/2006/relationships" xmlns:p="http://schemas.openxmlformats.org/presentationml/2006/main" type="title" preserve="1">
   <p:cSld name="Title Slide">
@@ -165,7 +218,7 @@
           </a:lstStyle>
           <a:p>
             <a:r>
-              <a:rPr lang="en-US" smtClean="0"/>
+              <a:rPr lang="en-US"/>
               <a:t>Click to edit Master title style</a:t>
             </a:r>
             <a:endParaRPr lang="en-US" dirty="0"/>
@@ -230,7 +283,7 @@
           </a:lstStyle>
           <a:p>
             <a:r>
-              <a:rPr lang="en-US" smtClean="0"/>
+              <a:rPr lang="en-US"/>
               <a:t>Click to edit Master subtitle style</a:t>
             </a:r>
             <a:endParaRPr lang="en-US" dirty="0"/>
@@ -254,7 +307,7 @@
           <a:p>
             <a:fld id="{A1CEF5DE-148C-4FBB-A5F9-8CAC43D949AA}" type="datetimeFigureOut">
               <a:rPr lang="en-NZ" smtClean="0"/>
-              <a:t>29/08/2021</a:t>
+              <a:t>27/11/2023</a:t>
             </a:fld>
             <a:endParaRPr lang="en-NZ"/>
           </a:p>
@@ -348,7 +401,7 @@
           <a:lstStyle/>
           <a:p>
             <a:r>
-              <a:rPr lang="en-US" smtClean="0"/>
+              <a:rPr lang="en-US"/>
               <a:t>Click to edit Master title style</a:t>
             </a:r>
             <a:endParaRPr lang="en-US" dirty="0"/>
@@ -372,35 +425,35 @@
           <a:p>
             <a:pPr lvl="0"/>
             <a:r>
-              <a:rPr lang="en-US" smtClean="0"/>
+              <a:rPr lang="en-US"/>
               <a:t>Edit Master text styles</a:t>
             </a:r>
           </a:p>
           <a:p>
             <a:pPr lvl="1"/>
             <a:r>
-              <a:rPr lang="en-US" smtClean="0"/>
+              <a:rPr lang="en-US"/>
               <a:t>Second level</a:t>
             </a:r>
           </a:p>
           <a:p>
             <a:pPr lvl="2"/>
             <a:r>
-              <a:rPr lang="en-US" smtClean="0"/>
+              <a:rPr lang="en-US"/>
               <a:t>Third level</a:t>
             </a:r>
           </a:p>
           <a:p>
             <a:pPr lvl="3"/>
             <a:r>
-              <a:rPr lang="en-US" smtClean="0"/>
+              <a:rPr lang="en-US"/>
               <a:t>Fourth level</a:t>
             </a:r>
           </a:p>
           <a:p>
             <a:pPr lvl="4"/>
             <a:r>
-              <a:rPr lang="en-US" smtClean="0"/>
+              <a:rPr lang="en-US"/>
               <a:t>Fifth level</a:t>
             </a:r>
             <a:endParaRPr lang="en-US" dirty="0"/>
@@ -424,7 +477,7 @@
           <a:p>
             <a:fld id="{A1CEF5DE-148C-4FBB-A5F9-8CAC43D949AA}" type="datetimeFigureOut">
               <a:rPr lang="en-NZ" smtClean="0"/>
-              <a:t>29/08/2021</a:t>
+              <a:t>27/11/2023</a:t>
             </a:fld>
             <a:endParaRPr lang="en-NZ"/>
           </a:p>
@@ -523,7 +576,7 @@
           <a:lstStyle/>
           <a:p>
             <a:r>
-              <a:rPr lang="en-US" smtClean="0"/>
+              <a:rPr lang="en-US"/>
               <a:t>Click to edit Master title style</a:t>
             </a:r>
             <a:endParaRPr lang="en-US" dirty="0"/>
@@ -552,35 +605,35 @@
           <a:p>
             <a:pPr lvl="0"/>
             <a:r>
-              <a:rPr lang="en-US" smtClean="0"/>
+              <a:rPr lang="en-US"/>
               <a:t>Edit Master text styles</a:t>
             </a:r>
           </a:p>
           <a:p>
             <a:pPr lvl="1"/>
             <a:r>
-              <a:rPr lang="en-US" smtClean="0"/>
+              <a:rPr lang="en-US"/>
               <a:t>Second level</a:t>
             </a:r>
           </a:p>
           <a:p>
             <a:pPr lvl="2"/>
             <a:r>
-              <a:rPr lang="en-US" smtClean="0"/>
+              <a:rPr lang="en-US"/>
               <a:t>Third level</a:t>
             </a:r>
           </a:p>
           <a:p>
             <a:pPr lvl="3"/>
             <a:r>
-              <a:rPr lang="en-US" smtClean="0"/>
+              <a:rPr lang="en-US"/>
               <a:t>Fourth level</a:t>
             </a:r>
           </a:p>
           <a:p>
             <a:pPr lvl="4"/>
             <a:r>
-              <a:rPr lang="en-US" smtClean="0"/>
+              <a:rPr lang="en-US"/>
               <a:t>Fifth level</a:t>
             </a:r>
             <a:endParaRPr lang="en-US" dirty="0"/>
@@ -604,7 +657,7 @@
           <a:p>
             <a:fld id="{A1CEF5DE-148C-4FBB-A5F9-8CAC43D949AA}" type="datetimeFigureOut">
               <a:rPr lang="en-NZ" smtClean="0"/>
-              <a:t>29/08/2021</a:t>
+              <a:t>27/11/2023</a:t>
             </a:fld>
             <a:endParaRPr lang="en-NZ"/>
           </a:p>
@@ -698,7 +751,7 @@
           <a:lstStyle/>
           <a:p>
             <a:r>
-              <a:rPr lang="en-US" smtClean="0"/>
+              <a:rPr lang="en-US"/>
               <a:t>Click to edit Master title style</a:t>
             </a:r>
             <a:endParaRPr lang="en-US" dirty="0"/>
@@ -722,35 +775,35 @@
           <a:p>
             <a:pPr lvl="0"/>
             <a:r>
-              <a:rPr lang="en-US" smtClean="0"/>
+              <a:rPr lang="en-US"/>
               <a:t>Edit Master text styles</a:t>
             </a:r>
           </a:p>
           <a:p>
             <a:pPr lvl="1"/>
             <a:r>
-              <a:rPr lang="en-US" smtClean="0"/>
+              <a:rPr lang="en-US"/>
               <a:t>Second level</a:t>
             </a:r>
           </a:p>
           <a:p>
             <a:pPr lvl="2"/>
             <a:r>
-              <a:rPr lang="en-US" smtClean="0"/>
+              <a:rPr lang="en-US"/>
               <a:t>Third level</a:t>
             </a:r>
           </a:p>
           <a:p>
             <a:pPr lvl="3"/>
             <a:r>
-              <a:rPr lang="en-US" smtClean="0"/>
+              <a:rPr lang="en-US"/>
               <a:t>Fourth level</a:t>
             </a:r>
           </a:p>
           <a:p>
             <a:pPr lvl="4"/>
             <a:r>
-              <a:rPr lang="en-US" smtClean="0"/>
+              <a:rPr lang="en-US"/>
               <a:t>Fifth level</a:t>
             </a:r>
             <a:endParaRPr lang="en-US" dirty="0"/>
@@ -774,7 +827,7 @@
           <a:p>
             <a:fld id="{A1CEF5DE-148C-4FBB-A5F9-8CAC43D949AA}" type="datetimeFigureOut">
               <a:rPr lang="en-NZ" smtClean="0"/>
-              <a:t>29/08/2021</a:t>
+              <a:t>27/11/2023</a:t>
             </a:fld>
             <a:endParaRPr lang="en-NZ"/>
           </a:p>
@@ -877,7 +930,7 @@
           </a:lstStyle>
           <a:p>
             <a:r>
-              <a:rPr lang="en-US" smtClean="0"/>
+              <a:rPr lang="en-US"/>
               <a:t>Click to edit Master title style</a:t>
             </a:r>
             <a:endParaRPr lang="en-US" dirty="0"/>
@@ -995,7 +1048,7 @@
           <a:p>
             <a:pPr lvl="0"/>
             <a:r>
-              <a:rPr lang="en-US" smtClean="0"/>
+              <a:rPr lang="en-US"/>
               <a:t>Edit Master text styles</a:t>
             </a:r>
           </a:p>
@@ -1018,7 +1071,7 @@
           <a:p>
             <a:fld id="{A1CEF5DE-148C-4FBB-A5F9-8CAC43D949AA}" type="datetimeFigureOut">
               <a:rPr lang="en-NZ" smtClean="0"/>
-              <a:t>29/08/2021</a:t>
+              <a:t>27/11/2023</a:t>
             </a:fld>
             <a:endParaRPr lang="en-NZ"/>
           </a:p>
@@ -1112,7 +1165,7 @@
           <a:lstStyle/>
           <a:p>
             <a:r>
-              <a:rPr lang="en-US" smtClean="0"/>
+              <a:rPr lang="en-US"/>
               <a:t>Click to edit Master title style</a:t>
             </a:r>
             <a:endParaRPr lang="en-US" dirty="0"/>
@@ -1141,35 +1194,35 @@
           <a:p>
             <a:pPr lvl="0"/>
             <a:r>
-              <a:rPr lang="en-US" smtClean="0"/>
+              <a:rPr lang="en-US"/>
               <a:t>Edit Master text styles</a:t>
             </a:r>
           </a:p>
           <a:p>
             <a:pPr lvl="1"/>
             <a:r>
-              <a:rPr lang="en-US" smtClean="0"/>
+              <a:rPr lang="en-US"/>
               <a:t>Second level</a:t>
             </a:r>
           </a:p>
           <a:p>
             <a:pPr lvl="2"/>
             <a:r>
-              <a:rPr lang="en-US" smtClean="0"/>
+              <a:rPr lang="en-US"/>
               <a:t>Third level</a:t>
             </a:r>
           </a:p>
           <a:p>
             <a:pPr lvl="3"/>
             <a:r>
-              <a:rPr lang="en-US" smtClean="0"/>
+              <a:rPr lang="en-US"/>
               <a:t>Fourth level</a:t>
             </a:r>
           </a:p>
           <a:p>
             <a:pPr lvl="4"/>
             <a:r>
-              <a:rPr lang="en-US" smtClean="0"/>
+              <a:rPr lang="en-US"/>
               <a:t>Fifth level</a:t>
             </a:r>
             <a:endParaRPr lang="en-US" dirty="0"/>
@@ -1198,35 +1251,35 @@
           <a:p>
             <a:pPr lvl="0"/>
             <a:r>
-              <a:rPr lang="en-US" smtClean="0"/>
+              <a:rPr lang="en-US"/>
               <a:t>Edit Master text styles</a:t>
             </a:r>
           </a:p>
           <a:p>
             <a:pPr lvl="1"/>
             <a:r>
-              <a:rPr lang="en-US" smtClean="0"/>
+              <a:rPr lang="en-US"/>
               <a:t>Second level</a:t>
             </a:r>
           </a:p>
           <a:p>
             <a:pPr lvl="2"/>
             <a:r>
-              <a:rPr lang="en-US" smtClean="0"/>
+              <a:rPr lang="en-US"/>
               <a:t>Third level</a:t>
             </a:r>
           </a:p>
           <a:p>
             <a:pPr lvl="3"/>
             <a:r>
-              <a:rPr lang="en-US" smtClean="0"/>
+              <a:rPr lang="en-US"/>
               <a:t>Fourth level</a:t>
             </a:r>
           </a:p>
           <a:p>
             <a:pPr lvl="4"/>
             <a:r>
-              <a:rPr lang="en-US" smtClean="0"/>
+              <a:rPr lang="en-US"/>
               <a:t>Fifth level</a:t>
             </a:r>
             <a:endParaRPr lang="en-US" dirty="0"/>
@@ -1250,7 +1303,7 @@
           <a:p>
             <a:fld id="{A1CEF5DE-148C-4FBB-A5F9-8CAC43D949AA}" type="datetimeFigureOut">
               <a:rPr lang="en-NZ" smtClean="0"/>
-              <a:t>29/08/2021</a:t>
+              <a:t>27/11/2023</a:t>
             </a:fld>
             <a:endParaRPr lang="en-NZ"/>
           </a:p>
@@ -1349,7 +1402,7 @@
           <a:lstStyle/>
           <a:p>
             <a:r>
-              <a:rPr lang="en-US" smtClean="0"/>
+              <a:rPr lang="en-US"/>
               <a:t>Click to edit Master title style</a:t>
             </a:r>
             <a:endParaRPr lang="en-US" dirty="0"/>
@@ -1415,7 +1468,7 @@
           <a:p>
             <a:pPr lvl="0"/>
             <a:r>
-              <a:rPr lang="en-US" smtClean="0"/>
+              <a:rPr lang="en-US"/>
               <a:t>Edit Master text styles</a:t>
             </a:r>
           </a:p>
@@ -1443,35 +1496,35 @@
           <a:p>
             <a:pPr lvl="0"/>
             <a:r>
-              <a:rPr lang="en-US" smtClean="0"/>
+              <a:rPr lang="en-US"/>
               <a:t>Edit Master text styles</a:t>
             </a:r>
           </a:p>
           <a:p>
             <a:pPr lvl="1"/>
             <a:r>
-              <a:rPr lang="en-US" smtClean="0"/>
+              <a:rPr lang="en-US"/>
               <a:t>Second level</a:t>
             </a:r>
           </a:p>
           <a:p>
             <a:pPr lvl="2"/>
             <a:r>
-              <a:rPr lang="en-US" smtClean="0"/>
+              <a:rPr lang="en-US"/>
               <a:t>Third level</a:t>
             </a:r>
           </a:p>
           <a:p>
             <a:pPr lvl="3"/>
             <a:r>
-              <a:rPr lang="en-US" smtClean="0"/>
+              <a:rPr lang="en-US"/>
               <a:t>Fourth level</a:t>
             </a:r>
           </a:p>
           <a:p>
             <a:pPr lvl="4"/>
             <a:r>
-              <a:rPr lang="en-US" smtClean="0"/>
+              <a:rPr lang="en-US"/>
               <a:t>Fifth level</a:t>
             </a:r>
             <a:endParaRPr lang="en-US" dirty="0"/>
@@ -1537,7 +1590,7 @@
           <a:p>
             <a:pPr lvl="0"/>
             <a:r>
-              <a:rPr lang="en-US" smtClean="0"/>
+              <a:rPr lang="en-US"/>
               <a:t>Edit Master text styles</a:t>
             </a:r>
           </a:p>
@@ -1565,35 +1618,35 @@
           <a:p>
             <a:pPr lvl="0"/>
             <a:r>
-              <a:rPr lang="en-US" smtClean="0"/>
+              <a:rPr lang="en-US"/>
               <a:t>Edit Master text styles</a:t>
             </a:r>
           </a:p>
           <a:p>
             <a:pPr lvl="1"/>
             <a:r>
-              <a:rPr lang="en-US" smtClean="0"/>
+              <a:rPr lang="en-US"/>
               <a:t>Second level</a:t>
             </a:r>
           </a:p>
           <a:p>
             <a:pPr lvl="2"/>
             <a:r>
-              <a:rPr lang="en-US" smtClean="0"/>
+              <a:rPr lang="en-US"/>
               <a:t>Third level</a:t>
             </a:r>
           </a:p>
           <a:p>
             <a:pPr lvl="3"/>
             <a:r>
-              <a:rPr lang="en-US" smtClean="0"/>
+              <a:rPr lang="en-US"/>
               <a:t>Fourth level</a:t>
             </a:r>
           </a:p>
           <a:p>
             <a:pPr lvl="4"/>
             <a:r>
-              <a:rPr lang="en-US" smtClean="0"/>
+              <a:rPr lang="en-US"/>
               <a:t>Fifth level</a:t>
             </a:r>
             <a:endParaRPr lang="en-US" dirty="0"/>
@@ -1617,7 +1670,7 @@
           <a:p>
             <a:fld id="{A1CEF5DE-148C-4FBB-A5F9-8CAC43D949AA}" type="datetimeFigureOut">
               <a:rPr lang="en-NZ" smtClean="0"/>
-              <a:t>29/08/2021</a:t>
+              <a:t>27/11/2023</a:t>
             </a:fld>
             <a:endParaRPr lang="en-NZ"/>
           </a:p>
@@ -1711,7 +1764,7 @@
           <a:lstStyle/>
           <a:p>
             <a:r>
-              <a:rPr lang="en-US" smtClean="0"/>
+              <a:rPr lang="en-US"/>
               <a:t>Click to edit Master title style</a:t>
             </a:r>
             <a:endParaRPr lang="en-US" dirty="0"/>
@@ -1735,7 +1788,7 @@
           <a:p>
             <a:fld id="{A1CEF5DE-148C-4FBB-A5F9-8CAC43D949AA}" type="datetimeFigureOut">
               <a:rPr lang="en-NZ" smtClean="0"/>
-              <a:t>29/08/2021</a:t>
+              <a:t>27/11/2023</a:t>
             </a:fld>
             <a:endParaRPr lang="en-NZ"/>
           </a:p>
@@ -1830,7 +1883,7 @@
           <a:p>
             <a:fld id="{A1CEF5DE-148C-4FBB-A5F9-8CAC43D949AA}" type="datetimeFigureOut">
               <a:rPr lang="en-NZ" smtClean="0"/>
-              <a:t>29/08/2021</a:t>
+              <a:t>27/11/2023</a:t>
             </a:fld>
             <a:endParaRPr lang="en-NZ"/>
           </a:p>
@@ -1933,7 +1986,7 @@
           </a:lstStyle>
           <a:p>
             <a:r>
-              <a:rPr lang="en-US" smtClean="0"/>
+              <a:rPr lang="en-US"/>
               <a:t>Click to edit Master title style</a:t>
             </a:r>
             <a:endParaRPr lang="en-US" dirty="0"/>
@@ -1990,35 +2043,35 @@
           <a:p>
             <a:pPr lvl="0"/>
             <a:r>
-              <a:rPr lang="en-US" smtClean="0"/>
+              <a:rPr lang="en-US"/>
               <a:t>Edit Master text styles</a:t>
             </a:r>
           </a:p>
           <a:p>
             <a:pPr lvl="1"/>
             <a:r>
-              <a:rPr lang="en-US" smtClean="0"/>
+              <a:rPr lang="en-US"/>
               <a:t>Second level</a:t>
             </a:r>
           </a:p>
           <a:p>
             <a:pPr lvl="2"/>
             <a:r>
-              <a:rPr lang="en-US" smtClean="0"/>
+              <a:rPr lang="en-US"/>
               <a:t>Third level</a:t>
             </a:r>
           </a:p>
           <a:p>
             <a:pPr lvl="3"/>
             <a:r>
-              <a:rPr lang="en-US" smtClean="0"/>
+              <a:rPr lang="en-US"/>
               <a:t>Fourth level</a:t>
             </a:r>
           </a:p>
           <a:p>
             <a:pPr lvl="4"/>
             <a:r>
-              <a:rPr lang="en-US" smtClean="0"/>
+              <a:rPr lang="en-US"/>
               <a:t>Fifth level</a:t>
             </a:r>
             <a:endParaRPr lang="en-US" dirty="0"/>
@@ -2084,7 +2137,7 @@
           <a:p>
             <a:pPr lvl="0"/>
             <a:r>
-              <a:rPr lang="en-US" smtClean="0"/>
+              <a:rPr lang="en-US"/>
               <a:t>Edit Master text styles</a:t>
             </a:r>
           </a:p>
@@ -2107,7 +2160,7 @@
           <a:p>
             <a:fld id="{A1CEF5DE-148C-4FBB-A5F9-8CAC43D949AA}" type="datetimeFigureOut">
               <a:rPr lang="en-NZ" smtClean="0"/>
-              <a:t>29/08/2021</a:t>
+              <a:t>27/11/2023</a:t>
             </a:fld>
             <a:endParaRPr lang="en-NZ"/>
           </a:p>
@@ -2210,7 +2263,7 @@
           </a:lstStyle>
           <a:p>
             <a:r>
-              <a:rPr lang="en-US" smtClean="0"/>
+              <a:rPr lang="en-US"/>
               <a:t>Click to edit Master title style</a:t>
             </a:r>
             <a:endParaRPr lang="en-US" dirty="0"/>
@@ -2275,7 +2328,7 @@
           </a:lstStyle>
           <a:p>
             <a:r>
-              <a:rPr lang="en-US" smtClean="0"/>
+              <a:rPr lang="en-US"/>
               <a:t>Click icon to add picture</a:t>
             </a:r>
             <a:endParaRPr lang="en-US" dirty="0"/>
@@ -2341,7 +2394,7 @@
           <a:p>
             <a:pPr lvl="0"/>
             <a:r>
-              <a:rPr lang="en-US" smtClean="0"/>
+              <a:rPr lang="en-US"/>
               <a:t>Edit Master text styles</a:t>
             </a:r>
           </a:p>
@@ -2364,7 +2417,7 @@
           <a:p>
             <a:fld id="{A1CEF5DE-148C-4FBB-A5F9-8CAC43D949AA}" type="datetimeFigureOut">
               <a:rPr lang="en-NZ" smtClean="0"/>
-              <a:t>29/08/2021</a:t>
+              <a:t>27/11/2023</a:t>
             </a:fld>
             <a:endParaRPr lang="en-NZ"/>
           </a:p>
@@ -2473,7 +2526,7 @@
           <a:lstStyle/>
           <a:p>
             <a:r>
-              <a:rPr lang="en-US" smtClean="0"/>
+              <a:rPr lang="en-US"/>
               <a:t>Click to edit Master title style</a:t>
             </a:r>
             <a:endParaRPr lang="en-US" dirty="0"/>
@@ -2507,35 +2560,35 @@
           <a:p>
             <a:pPr lvl="0"/>
             <a:r>
-              <a:rPr lang="en-US" smtClean="0"/>
+              <a:rPr lang="en-US"/>
               <a:t>Edit Master text styles</a:t>
             </a:r>
           </a:p>
           <a:p>
             <a:pPr lvl="1"/>
             <a:r>
-              <a:rPr lang="en-US" smtClean="0"/>
+              <a:rPr lang="en-US"/>
               <a:t>Second level</a:t>
             </a:r>
           </a:p>
           <a:p>
             <a:pPr lvl="2"/>
             <a:r>
-              <a:rPr lang="en-US" smtClean="0"/>
+              <a:rPr lang="en-US"/>
               <a:t>Third level</a:t>
             </a:r>
           </a:p>
           <a:p>
             <a:pPr lvl="3"/>
             <a:r>
-              <a:rPr lang="en-US" smtClean="0"/>
+              <a:rPr lang="en-US"/>
               <a:t>Fourth level</a:t>
             </a:r>
           </a:p>
           <a:p>
             <a:pPr lvl="4"/>
             <a:r>
-              <a:rPr lang="en-US" smtClean="0"/>
+              <a:rPr lang="en-US"/>
               <a:t>Fifth level</a:t>
             </a:r>
             <a:endParaRPr lang="en-US" dirty="0"/>
@@ -2577,7 +2630,7 @@
           <a:p>
             <a:fld id="{A1CEF5DE-148C-4FBB-A5F9-8CAC43D949AA}" type="datetimeFigureOut">
               <a:rPr lang="en-NZ" smtClean="0"/>
-              <a:t>29/08/2021</a:t>
+              <a:t>27/11/2023</a:t>
             </a:fld>
             <a:endParaRPr lang="en-NZ"/>
           </a:p>
@@ -3370,7 +3423,7 @@
         <p:spPr>
           <a:xfrm>
             <a:off x="1558693" y="2300188"/>
-            <a:ext cx="593432" cy="369332"/>
+            <a:ext cx="708848" cy="369332"/>
           </a:xfrm>
           <a:prstGeom prst="rect">
             <a:avLst/>
@@ -3385,7 +3438,7 @@
           <a:p>
             <a:r>
               <a:rPr lang="en-NZ" dirty="0"/>
-              <a:t>1.00</a:t>
+              <a:t>0.64*</a:t>
             </a:r>
           </a:p>
         </p:txBody>
@@ -3413,9 +3466,10 @@
           <a:lstStyle/>
           <a:p>
             <a:r>
-              <a:rPr lang="en-NZ" dirty="0"/>
-              <a:t>0.17*</a:t>
-            </a:r>
+              <a:rPr lang="en-NZ"/>
+              <a:t>0.53*</a:t>
+            </a:r>
+            <a:endParaRPr lang="en-NZ" dirty="0"/>
           </a:p>
         </p:txBody>
       </p:sp>
@@ -3443,7 +3497,7 @@
           <a:p>
             <a:r>
               <a:rPr lang="en-NZ" dirty="0"/>
-              <a:t>0.20*</a:t>
+              <a:t>0.59*</a:t>
             </a:r>
           </a:p>
         </p:txBody>
@@ -3471,10 +3525,9 @@
           <a:lstStyle/>
           <a:p>
             <a:r>
-              <a:rPr lang="en-NZ" smtClean="0"/>
-              <a:t>0.30*</a:t>
-            </a:r>
-            <a:endParaRPr lang="en-NZ" dirty="0"/>
+              <a:rPr lang="en-NZ" dirty="0"/>
+              <a:t>0.60*</a:t>
+            </a:r>
           </a:p>
         </p:txBody>
       </p:sp>
@@ -3488,13 +3541,6 @@
   <p:clrMapOvr>
     <a:masterClrMapping/>
   </p:clrMapOvr>
-  <p:timing>
-    <p:tnLst>
-      <p:par>
-        <p:cTn id="1" dur="indefinite" restart="never" nodeType="tmRoot"/>
-      </p:par>
-    </p:tnLst>
-  </p:timing>
 </p:sld>
 </file>
 
